--- a/Presentation of Case Study.pptx
+++ b/Presentation of Case Study.pptx
@@ -5,7 +5,7 @@
     <p:sldMasterId id="2147483648" r:id="rId1"/>
   </p:sldMasterIdLst>
   <p:notesMasterIdLst>
-    <p:notesMasterId r:id="rId18"/>
+    <p:notesMasterId r:id="rId19"/>
   </p:notesMasterIdLst>
   <p:sldIdLst>
     <p:sldId id="256" r:id="rId2"/>
@@ -19,31 +19,32 @@
     <p:sldId id="275" r:id="rId10"/>
     <p:sldId id="276" r:id="rId11"/>
     <p:sldId id="273" r:id="rId12"/>
-    <p:sldId id="266" r:id="rId13"/>
-    <p:sldId id="277" r:id="rId14"/>
-    <p:sldId id="278" r:id="rId15"/>
-    <p:sldId id="279" r:id="rId16"/>
-    <p:sldId id="268" r:id="rId17"/>
+    <p:sldId id="281" r:id="rId13"/>
+    <p:sldId id="266" r:id="rId14"/>
+    <p:sldId id="277" r:id="rId15"/>
+    <p:sldId id="278" r:id="rId16"/>
+    <p:sldId id="279" r:id="rId17"/>
+    <p:sldId id="268" r:id="rId18"/>
   </p:sldIdLst>
   <p:sldSz cx="12192000" cy="6858000"/>
   <p:notesSz cx="6858000" cy="9144000"/>
   <p:embeddedFontLst>
     <p:embeddedFont>
       <p:font typeface="Aptos Narrow" panose="020B0004020202020204" pitchFamily="34" charset="0"/>
-      <p:regular r:id="rId19"/>
-      <p:bold r:id="rId20"/>
+      <p:regular r:id="rId20"/>
+      <p:bold r:id="rId21"/>
     </p:embeddedFont>
     <p:embeddedFont>
       <p:font typeface="Consolas" panose="020B0609020204030204" pitchFamily="49" charset="0"/>
-      <p:regular r:id="rId21"/>
-      <p:bold r:id="rId22"/>
-      <p:italic r:id="rId23"/>
-      <p:boldItalic r:id="rId24"/>
+      <p:regular r:id="rId22"/>
+      <p:bold r:id="rId23"/>
+      <p:italic r:id="rId24"/>
+      <p:boldItalic r:id="rId25"/>
     </p:embeddedFont>
     <p:embeddedFont>
       <p:font typeface="Play" panose="020B0604020202020204" charset="0"/>
-      <p:regular r:id="rId25"/>
-      <p:bold r:id="rId26"/>
+      <p:regular r:id="rId26"/>
+      <p:bold r:id="rId27"/>
     </p:embeddedFont>
   </p:embeddedFontLst>
   <p:defaultTextStyle>
@@ -276,8 +277,11 @@
     </a:lvl9pPr>
   </p:defaultTextStyle>
   <p:extLst>
+    <p:ext uri="{EFAFB233-063F-42B5-8137-9DF3F51BA10A}">
+      <p15:sldGuideLst xmlns:p15="http://schemas.microsoft.com/office/powerpoint/2012/main"/>
+    </p:ext>
     <p:ext uri="GoogleSlidesCustomDataVersion2">
-      <go:slidesCustomData xmlns:go="http://customooxmlschemas.google.com/" xmlns:ahyp="http://schemas.microsoft.com/office/drawing/2018/hyperlinkcolor" xmlns:p15="http://schemas.microsoft.com/office/powerpoint/2012/main" xmlns:p14="http://schemas.microsoft.com/office/powerpoint/2010/main" xmlns:com="http://schemas.openxmlformats.org/drawingml/2006/compatibility" xmlns:pvml="urn:schemas-microsoft-com:office:powerpoint" xmlns:v="urn:schemas-microsoft-com:vml" xmlns:o="urn:schemas-microsoft-com:office:office" xmlns:dgm="http://schemas.openxmlformats.org/drawingml/2006/diagram" xmlns:c="http://schemas.openxmlformats.org/drawingml/2006/chart" xmlns:mv="urn:schemas-microsoft-com:mac:vml" xmlns:mc="http://schemas.openxmlformats.org/markup-compatibility/2006" xmlns="" r:id="rId27" roundtripDataSignature="AMtx7mhhTvwVtD1ldGlLltQdloSPj3Ep9g=="/>
+      <go:slidesCustomData xmlns="" xmlns:mc="http://schemas.openxmlformats.org/markup-compatibility/2006" xmlns:mv="urn:schemas-microsoft-com:mac:vml" xmlns:c="http://schemas.openxmlformats.org/drawingml/2006/chart" xmlns:dgm="http://schemas.openxmlformats.org/drawingml/2006/diagram" xmlns:o="urn:schemas-microsoft-com:office:office" xmlns:v="urn:schemas-microsoft-com:vml" xmlns:pvml="urn:schemas-microsoft-com:office:powerpoint" xmlns:com="http://schemas.openxmlformats.org/drawingml/2006/compatibility" xmlns:p14="http://schemas.microsoft.com/office/powerpoint/2010/main" xmlns:p15="http://schemas.microsoft.com/office/powerpoint/2012/main" xmlns:ahyp="http://schemas.microsoft.com/office/drawing/2018/hyperlinkcolor" xmlns:go="http://customooxmlschemas.google.com/" r:id="rId28" roundtripDataSignature="AMtx7mhhTvwVtD1ldGlLltQdloSPj3Ep9g=="/>
     </p:ext>
   </p:extLst>
 </p:presentation>
@@ -286,7 +290,7 @@
 <file path=ppt/revisionInfo.xml><?xml version="1.0" encoding="utf-8"?>
 <p1510:revInfo xmlns:a="http://schemas.openxmlformats.org/drawingml/2006/main" xmlns:r="http://schemas.openxmlformats.org/officeDocument/2006/relationships" xmlns:p1510="http://schemas.microsoft.com/office/powerpoint/2015/10/main">
   <p1510:revLst>
-    <p1510:client id="{D911B811-56E2-4275-B23F-0B3758FA18B5}" v="43" dt="2025-02-16T17:44:26.242"/>
+    <p1510:client id="{D911B811-56E2-4275-B23F-0B3758FA18B5}" v="48" dt="2025-02-17T01:40:36.256"/>
   </p1510:revLst>
 </p1510:revInfo>
 </file>
@@ -296,7 +300,7 @@
   <pc:docChgLst>
     <pc:chgData name="Arpan Das" userId="c4c05431-43fa-4bfe-ba56-e9103ec2c7a1" providerId="ADAL" clId="{D911B811-56E2-4275-B23F-0B3758FA18B5}"/>
     <pc:docChg chg="undo redo custSel addSld delSld modSld">
-      <pc:chgData name="Arpan Das" userId="c4c05431-43fa-4bfe-ba56-e9103ec2c7a1" providerId="ADAL" clId="{D911B811-56E2-4275-B23F-0B3758FA18B5}" dt="2025-02-16T17:44:52.731" v="1832" actId="1076"/>
+      <pc:chgData name="Arpan Das" userId="c4c05431-43fa-4bfe-ba56-e9103ec2c7a1" providerId="ADAL" clId="{D911B811-56E2-4275-B23F-0B3758FA18B5}" dt="2025-02-17T01:47:23.193" v="2406" actId="1076"/>
       <pc:docMkLst>
         <pc:docMk/>
       </pc:docMkLst>
@@ -425,14 +429,46 @@
           <pc:sldMk cId="0" sldId="259"/>
         </pc:sldMkLst>
       </pc:sldChg>
-      <pc:sldChg chg="addSp delSp mod">
-        <pc:chgData name="Arpan Das" userId="c4c05431-43fa-4bfe-ba56-e9103ec2c7a1" providerId="ADAL" clId="{D911B811-56E2-4275-B23F-0B3758FA18B5}" dt="2025-02-16T17:14:42.768" v="1186" actId="478"/>
+      <pc:sldChg chg="addSp delSp modSp mod">
+        <pc:chgData name="Arpan Das" userId="c4c05431-43fa-4bfe-ba56-e9103ec2c7a1" providerId="ADAL" clId="{D911B811-56E2-4275-B23F-0B3758FA18B5}" dt="2025-02-17T01:47:23.193" v="2406" actId="1076"/>
         <pc:sldMkLst>
           <pc:docMk/>
           <pc:sldMk cId="0" sldId="260"/>
         </pc:sldMkLst>
-        <pc:picChg chg="add del">
-          <ac:chgData name="Arpan Das" userId="c4c05431-43fa-4bfe-ba56-e9103ec2c7a1" providerId="ADAL" clId="{D911B811-56E2-4275-B23F-0B3758FA18B5}" dt="2025-02-16T17:14:42.768" v="1186" actId="478"/>
+        <pc:spChg chg="del">
+          <ac:chgData name="Arpan Das" userId="c4c05431-43fa-4bfe-ba56-e9103ec2c7a1" providerId="ADAL" clId="{D911B811-56E2-4275-B23F-0B3758FA18B5}" dt="2025-02-17T01:45:30.204" v="2387" actId="478"/>
+          <ac:spMkLst>
+            <pc:docMk/>
+            <pc:sldMk cId="0" sldId="260"/>
+            <ac:spMk id="119" creationId="{00000000-0000-0000-0000-000000000000}"/>
+          </ac:spMkLst>
+        </pc:spChg>
+        <pc:spChg chg="del">
+          <ac:chgData name="Arpan Das" userId="c4c05431-43fa-4bfe-ba56-e9103ec2c7a1" providerId="ADAL" clId="{D911B811-56E2-4275-B23F-0B3758FA18B5}" dt="2025-02-17T01:45:34.636" v="2390" actId="478"/>
+          <ac:spMkLst>
+            <pc:docMk/>
+            <pc:sldMk cId="0" sldId="260"/>
+            <ac:spMk id="126" creationId="{00000000-0000-0000-0000-000000000000}"/>
+          </ac:spMkLst>
+        </pc:spChg>
+        <pc:picChg chg="add del mod">
+          <ac:chgData name="Arpan Das" userId="c4c05431-43fa-4bfe-ba56-e9103ec2c7a1" providerId="ADAL" clId="{D911B811-56E2-4275-B23F-0B3758FA18B5}" dt="2025-02-17T01:44:59.410" v="2376" actId="22"/>
+          <ac:picMkLst>
+            <pc:docMk/>
+            <pc:sldMk cId="0" sldId="260"/>
+            <ac:picMk id="3" creationId="{53322B85-3DB6-5B1B-3E68-F07D8E6EFDAE}"/>
+          </ac:picMkLst>
+        </pc:picChg>
+        <pc:picChg chg="add mod">
+          <ac:chgData name="Arpan Das" userId="c4c05431-43fa-4bfe-ba56-e9103ec2c7a1" providerId="ADAL" clId="{D911B811-56E2-4275-B23F-0B3758FA18B5}" dt="2025-02-17T01:47:21.518" v="2405" actId="1076"/>
+          <ac:picMkLst>
+            <pc:docMk/>
+            <pc:sldMk cId="0" sldId="260"/>
+            <ac:picMk id="5" creationId="{D38B4970-E785-CABC-2C68-854E825D8825}"/>
+          </ac:picMkLst>
+        </pc:picChg>
+        <pc:picChg chg="add del mod">
+          <ac:chgData name="Arpan Das" userId="c4c05431-43fa-4bfe-ba56-e9103ec2c7a1" providerId="ADAL" clId="{D911B811-56E2-4275-B23F-0B3758FA18B5}" dt="2025-02-17T01:47:23.193" v="2406" actId="1076"/>
           <ac:picMkLst>
             <pc:docMk/>
             <pc:sldMk cId="0" sldId="260"/>
@@ -653,8 +689,8 @@
           </ac:graphicFrameMkLst>
         </pc:graphicFrameChg>
       </pc:sldChg>
-      <pc:sldChg chg="modSp add mod">
-        <pc:chgData name="Arpan Das" userId="c4c05431-43fa-4bfe-ba56-e9103ec2c7a1" providerId="ADAL" clId="{D911B811-56E2-4275-B23F-0B3758FA18B5}" dt="2025-02-16T17:13:38.544" v="1183" actId="20577"/>
+      <pc:sldChg chg="addSp modSp add mod">
+        <pc:chgData name="Arpan Das" userId="c4c05431-43fa-4bfe-ba56-e9103ec2c7a1" providerId="ADAL" clId="{D911B811-56E2-4275-B23F-0B3758FA18B5}" dt="2025-02-17T01:44:22.538" v="2371" actId="114"/>
         <pc:sldMkLst>
           <pc:docMk/>
           <pc:sldMk cId="869394654" sldId="270"/>
@@ -691,6 +727,30 @@
             <ac:spMk id="6" creationId="{65F2664C-97C7-F935-3C0F-07B10C4AE6AF}"/>
           </ac:spMkLst>
         </pc:spChg>
+        <pc:spChg chg="add mod">
+          <ac:chgData name="Arpan Das" userId="c4c05431-43fa-4bfe-ba56-e9103ec2c7a1" providerId="ADAL" clId="{D911B811-56E2-4275-B23F-0B3758FA18B5}" dt="2025-02-17T01:44:14.593" v="2366" actId="115"/>
+          <ac:spMkLst>
+            <pc:docMk/>
+            <pc:sldMk cId="869394654" sldId="270"/>
+            <ac:spMk id="10" creationId="{1C84404D-31B9-70F4-3063-4E8879BE4005}"/>
+          </ac:spMkLst>
+        </pc:spChg>
+        <pc:spChg chg="add mod">
+          <ac:chgData name="Arpan Das" userId="c4c05431-43fa-4bfe-ba56-e9103ec2c7a1" providerId="ADAL" clId="{D911B811-56E2-4275-B23F-0B3758FA18B5}" dt="2025-02-17T01:44:22.538" v="2371" actId="114"/>
+          <ac:spMkLst>
+            <pc:docMk/>
+            <pc:sldMk cId="869394654" sldId="270"/>
+            <ac:spMk id="11" creationId="{AC56F89A-4E2C-4570-026F-9B958184CC3A}"/>
+          </ac:spMkLst>
+        </pc:spChg>
+        <pc:spChg chg="add mod">
+          <ac:chgData name="Arpan Das" userId="c4c05431-43fa-4bfe-ba56-e9103ec2c7a1" providerId="ADAL" clId="{D911B811-56E2-4275-B23F-0B3758FA18B5}" dt="2025-02-17T01:43:59.328" v="2361" actId="13822"/>
+          <ac:spMkLst>
+            <pc:docMk/>
+            <pc:sldMk cId="869394654" sldId="270"/>
+            <ac:spMk id="20" creationId="{9B1EFFA5-6011-07D2-565F-3140BFAA53D7}"/>
+          </ac:spMkLst>
+        </pc:spChg>
         <pc:spChg chg="mod">
           <ac:chgData name="Arpan Das" userId="c4c05431-43fa-4bfe-ba56-e9103ec2c7a1" providerId="ADAL" clId="{D911B811-56E2-4275-B23F-0B3758FA18B5}" dt="2025-02-16T17:08:49.246" v="946" actId="14100"/>
           <ac:spMkLst>
@@ -699,6 +759,54 @@
             <ac:spMk id="102" creationId="{59C4B0E0-68E7-4A02-2882-B7EE50AF821D}"/>
           </ac:spMkLst>
         </pc:spChg>
+        <pc:picChg chg="add mod">
+          <ac:chgData name="Arpan Das" userId="c4c05431-43fa-4bfe-ba56-e9103ec2c7a1" providerId="ADAL" clId="{D911B811-56E2-4275-B23F-0B3758FA18B5}" dt="2025-02-17T01:42:11.367" v="2342" actId="14100"/>
+          <ac:picMkLst>
+            <pc:docMk/>
+            <pc:sldMk cId="869394654" sldId="270"/>
+            <ac:picMk id="7" creationId="{1C4D809E-722E-2096-0DC9-0581A747EF64}"/>
+          </ac:picMkLst>
+        </pc:picChg>
+        <pc:picChg chg="add mod">
+          <ac:chgData name="Arpan Das" userId="c4c05431-43fa-4bfe-ba56-e9103ec2c7a1" providerId="ADAL" clId="{D911B811-56E2-4275-B23F-0B3758FA18B5}" dt="2025-02-17T01:42:16.734" v="2345" actId="1076"/>
+          <ac:picMkLst>
+            <pc:docMk/>
+            <pc:sldMk cId="869394654" sldId="270"/>
+            <ac:picMk id="9" creationId="{31E0EF51-C2DA-DBB9-8AF6-A6B417E2710B}"/>
+          </ac:picMkLst>
+        </pc:picChg>
+        <pc:picChg chg="add mod">
+          <ac:chgData name="Arpan Das" userId="c4c05431-43fa-4bfe-ba56-e9103ec2c7a1" providerId="ADAL" clId="{D911B811-56E2-4275-B23F-0B3758FA18B5}" dt="2025-02-17T01:41:06.287" v="2327" actId="1076"/>
+          <ac:picMkLst>
+            <pc:docMk/>
+            <pc:sldMk cId="869394654" sldId="270"/>
+            <ac:picMk id="13" creationId="{32B5C276-6966-AFDD-7FF8-65DA9E4A4230}"/>
+          </ac:picMkLst>
+        </pc:picChg>
+        <pc:picChg chg="add mod">
+          <ac:chgData name="Arpan Das" userId="c4c05431-43fa-4bfe-ba56-e9103ec2c7a1" providerId="ADAL" clId="{D911B811-56E2-4275-B23F-0B3758FA18B5}" dt="2025-02-17T01:42:24.229" v="2349" actId="1076"/>
+          <ac:picMkLst>
+            <pc:docMk/>
+            <pc:sldMk cId="869394654" sldId="270"/>
+            <ac:picMk id="15" creationId="{5D87338C-40B2-04E2-6D46-B8E575E5DDFF}"/>
+          </ac:picMkLst>
+        </pc:picChg>
+        <pc:picChg chg="add mod">
+          <ac:chgData name="Arpan Das" userId="c4c05431-43fa-4bfe-ba56-e9103ec2c7a1" providerId="ADAL" clId="{D911B811-56E2-4275-B23F-0B3758FA18B5}" dt="2025-02-17T01:42:25.877" v="2350" actId="1076"/>
+          <ac:picMkLst>
+            <pc:docMk/>
+            <pc:sldMk cId="869394654" sldId="270"/>
+            <ac:picMk id="17" creationId="{73C8A6F6-24AC-CE71-D2A5-3AF93D339BE3}"/>
+          </ac:picMkLst>
+        </pc:picChg>
+        <pc:picChg chg="add mod">
+          <ac:chgData name="Arpan Das" userId="c4c05431-43fa-4bfe-ba56-e9103ec2c7a1" providerId="ADAL" clId="{D911B811-56E2-4275-B23F-0B3758FA18B5}" dt="2025-02-17T01:42:49.387" v="2356" actId="1076"/>
+          <ac:picMkLst>
+            <pc:docMk/>
+            <pc:sldMk cId="869394654" sldId="270"/>
+            <ac:picMk id="19" creationId="{41017963-4253-971E-1F5C-37B478256AC6}"/>
+          </ac:picMkLst>
+        </pc:picChg>
       </pc:sldChg>
       <pc:sldChg chg="addSp delSp modSp add mod">
         <pc:chgData name="Arpan Das" userId="c4c05431-43fa-4bfe-ba56-e9103ec2c7a1" providerId="ADAL" clId="{D911B811-56E2-4275-B23F-0B3758FA18B5}" dt="2025-02-16T17:23:27.122" v="1355" actId="113"/>
@@ -1129,6 +1237,83 @@
         <pc:sldMkLst>
           <pc:docMk/>
           <pc:sldMk cId="3212271719" sldId="279"/>
+        </pc:sldMkLst>
+      </pc:sldChg>
+      <pc:sldChg chg="new del">
+        <pc:chgData name="Arpan Das" userId="c4c05431-43fa-4bfe-ba56-e9103ec2c7a1" providerId="ADAL" clId="{D911B811-56E2-4275-B23F-0B3758FA18B5}" dt="2025-02-17T01:33:09.221" v="1835" actId="47"/>
+        <pc:sldMkLst>
+          <pc:docMk/>
+          <pc:sldMk cId="866152709" sldId="280"/>
+        </pc:sldMkLst>
+      </pc:sldChg>
+      <pc:sldChg chg="addSp delSp modSp add mod">
+        <pc:chgData name="Arpan Das" userId="c4c05431-43fa-4bfe-ba56-e9103ec2c7a1" providerId="ADAL" clId="{D911B811-56E2-4275-B23F-0B3758FA18B5}" dt="2025-02-17T01:37:53.824" v="2280" actId="1076"/>
+        <pc:sldMkLst>
+          <pc:docMk/>
+          <pc:sldMk cId="3424847862" sldId="281"/>
+        </pc:sldMkLst>
+        <pc:spChg chg="mod">
+          <ac:chgData name="Arpan Das" userId="c4c05431-43fa-4bfe-ba56-e9103ec2c7a1" providerId="ADAL" clId="{D911B811-56E2-4275-B23F-0B3758FA18B5}" dt="2025-02-17T01:33:20.263" v="1853" actId="20577"/>
+          <ac:spMkLst>
+            <pc:docMk/>
+            <pc:sldMk cId="3424847862" sldId="281"/>
+            <ac:spMk id="4" creationId="{AD3DA499-EE0A-C73E-135F-C7E02E557CBD}"/>
+          </ac:spMkLst>
+        </pc:spChg>
+        <pc:spChg chg="mod">
+          <ac:chgData name="Arpan Das" userId="c4c05431-43fa-4bfe-ba56-e9103ec2c7a1" providerId="ADAL" clId="{D911B811-56E2-4275-B23F-0B3758FA18B5}" dt="2025-02-17T01:37:53.824" v="2280" actId="1076"/>
+          <ac:spMkLst>
+            <pc:docMk/>
+            <pc:sldMk cId="3424847862" sldId="281"/>
+            <ac:spMk id="7" creationId="{D808A966-F1CE-D92D-EEA0-1C5266D3D99D}"/>
+          </ac:spMkLst>
+        </pc:spChg>
+        <pc:spChg chg="del">
+          <ac:chgData name="Arpan Das" userId="c4c05431-43fa-4bfe-ba56-e9103ec2c7a1" providerId="ADAL" clId="{D911B811-56E2-4275-B23F-0B3758FA18B5}" dt="2025-02-17T01:33:46.190" v="1918" actId="478"/>
+          <ac:spMkLst>
+            <pc:docMk/>
+            <pc:sldMk cId="3424847862" sldId="281"/>
+            <ac:spMk id="10" creationId="{673A9A9B-AA44-8E85-D7EA-DB67A310657C}"/>
+          </ac:spMkLst>
+        </pc:spChg>
+        <pc:spChg chg="mod">
+          <ac:chgData name="Arpan Das" userId="c4c05431-43fa-4bfe-ba56-e9103ec2c7a1" providerId="ADAL" clId="{D911B811-56E2-4275-B23F-0B3758FA18B5}" dt="2025-02-17T01:33:14.233" v="1837" actId="20577"/>
+          <ac:spMkLst>
+            <pc:docMk/>
+            <pc:sldMk cId="3424847862" sldId="281"/>
+            <ac:spMk id="102" creationId="{91900689-7EC2-77C4-B5A6-EA944B72F7C1}"/>
+          </ac:spMkLst>
+        </pc:spChg>
+        <pc:picChg chg="add mod">
+          <ac:chgData name="Arpan Das" userId="c4c05431-43fa-4bfe-ba56-e9103ec2c7a1" providerId="ADAL" clId="{D911B811-56E2-4275-B23F-0B3758FA18B5}" dt="2025-02-17T01:34:03.287" v="1923" actId="1076"/>
+          <ac:picMkLst>
+            <pc:docMk/>
+            <pc:sldMk cId="3424847862" sldId="281"/>
+            <ac:picMk id="3" creationId="{319DCD20-56F6-79F1-AD74-8AE7B4AD57C0}"/>
+          </ac:picMkLst>
+        </pc:picChg>
+        <pc:picChg chg="del">
+          <ac:chgData name="Arpan Das" userId="c4c05431-43fa-4bfe-ba56-e9103ec2c7a1" providerId="ADAL" clId="{D911B811-56E2-4275-B23F-0B3758FA18B5}" dt="2025-02-17T01:33:41.086" v="1917" actId="478"/>
+          <ac:picMkLst>
+            <pc:docMk/>
+            <pc:sldMk cId="3424847862" sldId="281"/>
+            <ac:picMk id="8" creationId="{7F5B3B12-457E-40CB-869F-1B2E273277F5}"/>
+          </ac:picMkLst>
+        </pc:picChg>
+        <pc:picChg chg="del">
+          <ac:chgData name="Arpan Das" userId="c4c05431-43fa-4bfe-ba56-e9103ec2c7a1" providerId="ADAL" clId="{D911B811-56E2-4275-B23F-0B3758FA18B5}" dt="2025-02-17T01:33:51.003" v="1919" actId="478"/>
+          <ac:picMkLst>
+            <pc:docMk/>
+            <pc:sldMk cId="3424847862" sldId="281"/>
+            <ac:picMk id="11" creationId="{27AAA220-99A7-6825-9DCA-E7B874DA0102}"/>
+          </ac:picMkLst>
+        </pc:picChg>
+      </pc:sldChg>
+      <pc:sldChg chg="add del">
+        <pc:chgData name="Arpan Das" userId="c4c05431-43fa-4bfe-ba56-e9103ec2c7a1" providerId="ADAL" clId="{D911B811-56E2-4275-B23F-0B3758FA18B5}" dt="2025-02-17T01:33:53.275" v="1921"/>
+        <pc:sldMkLst>
+          <pc:docMk/>
+          <pc:sldMk cId="1066568490" sldId="282"/>
         </pc:sldMkLst>
       </pc:sldChg>
     </pc:docChg>
@@ -8329,6 +8514,133 @@
   <p:cSld>
     <p:spTree>
       <p:nvGrpSpPr>
+        <p:cNvPr id="1" name="Shape 98">
+          <a:extLst>
+            <a:ext uri="{FF2B5EF4-FFF2-40B4-BE49-F238E27FC236}">
+              <a16:creationId xmlns:a16="http://schemas.microsoft.com/office/drawing/2014/main" id="{AC88A4F2-1948-1649-8BAA-1B40772E3F79}"/>
+            </a:ext>
+          </a:extLst>
+        </p:cNvPr>
+        <p:cNvGrpSpPr/>
+        <p:nvPr/>
+      </p:nvGrpSpPr>
+      <p:grpSpPr>
+        <a:xfrm>
+          <a:off x="0" y="0"/>
+          <a:ext cx="0" cy="0"/>
+          <a:chOff x="0" y="0"/>
+          <a:chExt cx="0" cy="0"/>
+        </a:xfrm>
+      </p:grpSpPr>
+      <p:sp>
+        <p:nvSpPr>
+          <p:cNvPr id="99" name="Google Shape;99;p3:notes">
+            <a:extLst>
+              <a:ext uri="{FF2B5EF4-FFF2-40B4-BE49-F238E27FC236}">
+                <a16:creationId xmlns:a16="http://schemas.microsoft.com/office/drawing/2014/main" id="{953A64C8-F482-AA25-F151-8F061EBE92D4}"/>
+              </a:ext>
+            </a:extLst>
+          </p:cNvPr>
+          <p:cNvSpPr txBox="1">
+            <a:spLocks noGrp="1"/>
+          </p:cNvSpPr>
+          <p:nvPr>
+            <p:ph type="body" idx="1"/>
+          </p:nvPr>
+        </p:nvSpPr>
+        <p:spPr>
+          <a:xfrm>
+            <a:off x="685800" y="4343400"/>
+            <a:ext cx="5486400" cy="4114800"/>
+          </a:xfrm>
+          <a:prstGeom prst="rect">
+            <a:avLst/>
+          </a:prstGeom>
+        </p:spPr>
+        <p:txBody>
+          <a:bodyPr spcFirstLastPara="1" wrap="square" lIns="91425" tIns="91425" rIns="91425" bIns="91425" anchor="t" anchorCtr="0">
+            <a:noAutofit/>
+          </a:bodyPr>
+          <a:lstStyle/>
+          <a:p>
+            <a:pPr marL="0" lvl="0" indent="0" algn="l" rtl="0">
+              <a:spcBef>
+                <a:spcPts val="0"/>
+              </a:spcBef>
+              <a:spcAft>
+                <a:spcPts val="0"/>
+              </a:spcAft>
+              <a:buNone/>
+            </a:pPr>
+            <a:endParaRPr/>
+          </a:p>
+        </p:txBody>
+      </p:sp>
+      <p:sp>
+        <p:nvSpPr>
+          <p:cNvPr id="100" name="Google Shape;100;p3:notes">
+            <a:extLst>
+              <a:ext uri="{FF2B5EF4-FFF2-40B4-BE49-F238E27FC236}">
+                <a16:creationId xmlns:a16="http://schemas.microsoft.com/office/drawing/2014/main" id="{2C6B0142-9A1E-3FD6-FACE-1B2D109598E2}"/>
+              </a:ext>
+            </a:extLst>
+          </p:cNvPr>
+          <p:cNvSpPr>
+            <a:spLocks noGrp="1" noRot="1" noChangeAspect="1"/>
+          </p:cNvSpPr>
+          <p:nvPr>
+            <p:ph type="sldImg" idx="2"/>
+          </p:nvPr>
+        </p:nvSpPr>
+        <p:spPr>
+          <a:xfrm>
+            <a:off x="381000" y="685800"/>
+            <a:ext cx="6096000" cy="3429000"/>
+          </a:xfrm>
+          <a:custGeom>
+            <a:avLst/>
+            <a:gdLst/>
+            <a:ahLst/>
+            <a:cxnLst/>
+            <a:rect l="l" t="t" r="r" b="b"/>
+            <a:pathLst>
+              <a:path w="120000" h="120000" extrusionOk="0">
+                <a:moveTo>
+                  <a:pt x="0" y="0"/>
+                </a:moveTo>
+                <a:lnTo>
+                  <a:pt x="120000" y="0"/>
+                </a:lnTo>
+                <a:lnTo>
+                  <a:pt x="120000" y="120000"/>
+                </a:lnTo>
+                <a:lnTo>
+                  <a:pt x="0" y="120000"/>
+                </a:lnTo>
+                <a:close/>
+              </a:path>
+            </a:pathLst>
+          </a:custGeom>
+        </p:spPr>
+      </p:sp>
+    </p:spTree>
+    <p:extLst>
+      <p:ext uri="{BB962C8B-B14F-4D97-AF65-F5344CB8AC3E}">
+        <p14:creationId xmlns:p14="http://schemas.microsoft.com/office/powerpoint/2010/main" val="2075771188"/>
+      </p:ext>
+    </p:extLst>
+  </p:cSld>
+  <p:clrMapOvr>
+    <a:masterClrMapping/>
+  </p:clrMapOvr>
+</p:notes>
+</file>
+
+<file path=ppt/notesSlides/notesSlide13.xml><?xml version="1.0" encoding="utf-8"?>
+<p:notes xmlns:a="http://schemas.openxmlformats.org/drawingml/2006/main" xmlns:r="http://schemas.openxmlformats.org/officeDocument/2006/relationships" xmlns:p="http://schemas.openxmlformats.org/presentationml/2006/main" showMasterSp="0" showMasterPhAnim="0">
+  <p:cSld>
+    <p:spTree>
+      <p:nvGrpSpPr>
         <p:cNvPr id="1" name="Shape 184"/>
         <p:cNvGrpSpPr/>
         <p:nvPr/>
@@ -8428,7 +8740,7 @@
 </p:notes>
 </file>
 
-<file path=ppt/notesSlides/notesSlide13.xml><?xml version="1.0" encoding="utf-8"?>
+<file path=ppt/notesSlides/notesSlide14.xml><?xml version="1.0" encoding="utf-8"?>
 <p:notes xmlns:a="http://schemas.openxmlformats.org/drawingml/2006/main" xmlns:r="http://schemas.openxmlformats.org/officeDocument/2006/relationships" xmlns:p="http://schemas.openxmlformats.org/presentationml/2006/main" showMasterSp="0" showMasterPhAnim="0">
   <p:cSld>
     <p:spTree>
@@ -8555,7 +8867,7 @@
 </p:notes>
 </file>
 
-<file path=ppt/notesSlides/notesSlide14.xml><?xml version="1.0" encoding="utf-8"?>
+<file path=ppt/notesSlides/notesSlide15.xml><?xml version="1.0" encoding="utf-8"?>
 <p:notes xmlns:a="http://schemas.openxmlformats.org/drawingml/2006/main" xmlns:r="http://schemas.openxmlformats.org/officeDocument/2006/relationships" xmlns:p="http://schemas.openxmlformats.org/presentationml/2006/main" showMasterSp="0" showMasterPhAnim="0">
   <p:cSld>
     <p:spTree>
@@ -22007,6 +22319,776 @@
 <file path=ppt/slides/slide12.xml><?xml version="1.0" encoding="utf-8"?>
 <p:sld xmlns:a="http://schemas.openxmlformats.org/drawingml/2006/main" xmlns:r="http://schemas.openxmlformats.org/officeDocument/2006/relationships" xmlns:p="http://schemas.openxmlformats.org/presentationml/2006/main">
   <p:cSld>
+    <p:spTree>
+      <p:nvGrpSpPr>
+        <p:cNvPr id="1" name="Shape 101">
+          <a:extLst>
+            <a:ext uri="{FF2B5EF4-FFF2-40B4-BE49-F238E27FC236}">
+              <a16:creationId xmlns:a16="http://schemas.microsoft.com/office/drawing/2014/main" id="{1666B446-2CA1-76BC-4B05-BF106609AB18}"/>
+            </a:ext>
+          </a:extLst>
+        </p:cNvPr>
+        <p:cNvGrpSpPr/>
+        <p:nvPr/>
+      </p:nvGrpSpPr>
+      <p:grpSpPr>
+        <a:xfrm>
+          <a:off x="0" y="0"/>
+          <a:ext cx="0" cy="0"/>
+          <a:chOff x="0" y="0"/>
+          <a:chExt cx="0" cy="0"/>
+        </a:xfrm>
+      </p:grpSpPr>
+      <p:sp>
+        <p:nvSpPr>
+          <p:cNvPr id="102" name="Google Shape;102;p3">
+            <a:extLst>
+              <a:ext uri="{FF2B5EF4-FFF2-40B4-BE49-F238E27FC236}">
+                <a16:creationId xmlns:a16="http://schemas.microsoft.com/office/drawing/2014/main" id="{91900689-7EC2-77C4-B5A6-EA944B72F7C1}"/>
+              </a:ext>
+            </a:extLst>
+          </p:cNvPr>
+          <p:cNvSpPr txBox="1">
+            <a:spLocks noGrp="1"/>
+          </p:cNvSpPr>
+          <p:nvPr>
+            <p:ph type="title"/>
+          </p:nvPr>
+        </p:nvSpPr>
+        <p:spPr>
+          <a:xfrm>
+            <a:off x="527314" y="166194"/>
+            <a:ext cx="8409951" cy="635900"/>
+          </a:xfrm>
+          <a:prstGeom prst="rect">
+            <a:avLst/>
+          </a:prstGeom>
+          <a:noFill/>
+          <a:ln>
+            <a:noFill/>
+          </a:ln>
+        </p:spPr>
+        <p:txBody>
+          <a:bodyPr spcFirstLastPara="1" wrap="square" lIns="91425" tIns="45700" rIns="91425" bIns="45700" anchor="t" anchorCtr="0">
+            <a:normAutofit/>
+          </a:bodyPr>
+          <a:lstStyle/>
+          <a:p>
+            <a:pPr marL="0" lvl="0" indent="0" algn="l" rtl="0">
+              <a:lnSpc>
+                <a:spcPct val="90000"/>
+              </a:lnSpc>
+              <a:spcBef>
+                <a:spcPts val="0"/>
+              </a:spcBef>
+              <a:spcAft>
+                <a:spcPts val="0"/>
+              </a:spcAft>
+              <a:buClr>
+                <a:schemeClr val="dk1"/>
+              </a:buClr>
+              <a:buSzPts val="3200"/>
+              <a:buFont typeface="Play"/>
+              <a:buNone/>
+            </a:pPr>
+            <a:r>
+              <a:rPr lang="en-US" sz="3200" b="1" dirty="0"/>
+              <a:t>Explanatory Data Analysis (6)</a:t>
+            </a:r>
+            <a:endParaRPr sz="3200" dirty="0"/>
+          </a:p>
+        </p:txBody>
+      </p:sp>
+      <p:cxnSp>
+        <p:nvCxnSpPr>
+          <p:cNvPr id="104" name="Google Shape;104;p3">
+            <a:extLst>
+              <a:ext uri="{FF2B5EF4-FFF2-40B4-BE49-F238E27FC236}">
+                <a16:creationId xmlns:a16="http://schemas.microsoft.com/office/drawing/2014/main" id="{A7FFB764-EBFC-3362-D2FD-8EE3EA10FD14}"/>
+              </a:ext>
+            </a:extLst>
+          </p:cNvPr>
+          <p:cNvCxnSpPr/>
+          <p:nvPr/>
+        </p:nvCxnSpPr>
+        <p:spPr>
+          <a:xfrm>
+            <a:off x="640745" y="871146"/>
+            <a:ext cx="736939" cy="0"/>
+          </a:xfrm>
+          <a:prstGeom prst="straightConnector1">
+            <a:avLst/>
+          </a:prstGeom>
+          <a:noFill/>
+          <a:ln w="57150" cap="flat" cmpd="sng">
+            <a:solidFill>
+              <a:schemeClr val="accent4"/>
+            </a:solidFill>
+            <a:prstDash val="solid"/>
+            <a:miter lim="800000"/>
+            <a:headEnd type="none" w="sm" len="sm"/>
+            <a:tailEnd type="none" w="sm" len="sm"/>
+          </a:ln>
+        </p:spPr>
+      </p:cxnSp>
+      <p:sp>
+        <p:nvSpPr>
+          <p:cNvPr id="4" name="Title 1">
+            <a:extLst>
+              <a:ext uri="{FF2B5EF4-FFF2-40B4-BE49-F238E27FC236}">
+                <a16:creationId xmlns:a16="http://schemas.microsoft.com/office/drawing/2014/main" id="{AD3DA499-EE0A-C73E-135F-C7E02E557CBD}"/>
+              </a:ext>
+            </a:extLst>
+          </p:cNvPr>
+          <p:cNvSpPr txBox="1">
+            <a:spLocks/>
+          </p:cNvSpPr>
+          <p:nvPr/>
+        </p:nvSpPr>
+        <p:spPr>
+          <a:xfrm>
+            <a:off x="527314" y="940199"/>
+            <a:ext cx="10515600" cy="569595"/>
+          </a:xfrm>
+          <a:prstGeom prst="rect">
+            <a:avLst/>
+          </a:prstGeom>
+          <a:noFill/>
+          <a:ln>
+            <a:noFill/>
+          </a:ln>
+        </p:spPr>
+        <p:txBody>
+          <a:bodyPr spcFirstLastPara="1" wrap="square" lIns="91425" tIns="45700" rIns="91425" bIns="45700" anchor="ctr" anchorCtr="0">
+            <a:normAutofit fontScale="97500"/>
+          </a:bodyPr>
+          <a:lstStyle>
+            <a:defPPr marR="0" lvl="0" algn="l" rtl="0">
+              <a:lnSpc>
+                <a:spcPct val="100000"/>
+              </a:lnSpc>
+              <a:spcBef>
+                <a:spcPts val="0"/>
+              </a:spcBef>
+              <a:spcAft>
+                <a:spcPts val="0"/>
+              </a:spcAft>
+            </a:defPPr>
+            <a:lvl1pPr marR="0" lvl="0" algn="l" rtl="0">
+              <a:lnSpc>
+                <a:spcPct val="90000"/>
+              </a:lnSpc>
+              <a:spcBef>
+                <a:spcPts val="0"/>
+              </a:spcBef>
+              <a:spcAft>
+                <a:spcPts val="0"/>
+              </a:spcAft>
+              <a:buClr>
+                <a:schemeClr val="dk1"/>
+              </a:buClr>
+              <a:buSzPts val="1800"/>
+              <a:buFont typeface="Play"/>
+              <a:buNone/>
+              <a:defRPr sz="4400" b="0" i="0" u="none" strike="noStrike" cap="none">
+                <a:solidFill>
+                  <a:schemeClr val="dk1"/>
+                </a:solidFill>
+                <a:latin typeface="Play"/>
+                <a:ea typeface="Play"/>
+                <a:cs typeface="Play"/>
+                <a:sym typeface="Play"/>
+              </a:defRPr>
+            </a:lvl1pPr>
+            <a:lvl2pPr marR="0" lvl="1" algn="l" rtl="0">
+              <a:lnSpc>
+                <a:spcPct val="100000"/>
+              </a:lnSpc>
+              <a:spcBef>
+                <a:spcPts val="0"/>
+              </a:spcBef>
+              <a:spcAft>
+                <a:spcPts val="0"/>
+              </a:spcAft>
+              <a:buClr>
+                <a:srgbClr val="000000"/>
+              </a:buClr>
+              <a:buSzPts val="1400"/>
+              <a:buFont typeface="Arial"/>
+              <a:buNone/>
+              <a:defRPr sz="1800" b="0" i="0" u="none" strike="noStrike" cap="none">
+                <a:solidFill>
+                  <a:srgbClr val="000000"/>
+                </a:solidFill>
+                <a:latin typeface="Arial"/>
+                <a:ea typeface="Arial"/>
+                <a:cs typeface="Arial"/>
+                <a:sym typeface="Arial"/>
+              </a:defRPr>
+            </a:lvl2pPr>
+            <a:lvl3pPr marR="0" lvl="2" algn="l" rtl="0">
+              <a:lnSpc>
+                <a:spcPct val="100000"/>
+              </a:lnSpc>
+              <a:spcBef>
+                <a:spcPts val="0"/>
+              </a:spcBef>
+              <a:spcAft>
+                <a:spcPts val="0"/>
+              </a:spcAft>
+              <a:buClr>
+                <a:srgbClr val="000000"/>
+              </a:buClr>
+              <a:buSzPts val="1400"/>
+              <a:buFont typeface="Arial"/>
+              <a:buNone/>
+              <a:defRPr sz="1800" b="0" i="0" u="none" strike="noStrike" cap="none">
+                <a:solidFill>
+                  <a:srgbClr val="000000"/>
+                </a:solidFill>
+                <a:latin typeface="Arial"/>
+                <a:ea typeface="Arial"/>
+                <a:cs typeface="Arial"/>
+                <a:sym typeface="Arial"/>
+              </a:defRPr>
+            </a:lvl3pPr>
+            <a:lvl4pPr marR="0" lvl="3" algn="l" rtl="0">
+              <a:lnSpc>
+                <a:spcPct val="100000"/>
+              </a:lnSpc>
+              <a:spcBef>
+                <a:spcPts val="0"/>
+              </a:spcBef>
+              <a:spcAft>
+                <a:spcPts val="0"/>
+              </a:spcAft>
+              <a:buClr>
+                <a:srgbClr val="000000"/>
+              </a:buClr>
+              <a:buSzPts val="1400"/>
+              <a:buFont typeface="Arial"/>
+              <a:buNone/>
+              <a:defRPr sz="1800" b="0" i="0" u="none" strike="noStrike" cap="none">
+                <a:solidFill>
+                  <a:srgbClr val="000000"/>
+                </a:solidFill>
+                <a:latin typeface="Arial"/>
+                <a:ea typeface="Arial"/>
+                <a:cs typeface="Arial"/>
+                <a:sym typeface="Arial"/>
+              </a:defRPr>
+            </a:lvl4pPr>
+            <a:lvl5pPr marR="0" lvl="4" algn="l" rtl="0">
+              <a:lnSpc>
+                <a:spcPct val="100000"/>
+              </a:lnSpc>
+              <a:spcBef>
+                <a:spcPts val="0"/>
+              </a:spcBef>
+              <a:spcAft>
+                <a:spcPts val="0"/>
+              </a:spcAft>
+              <a:buClr>
+                <a:srgbClr val="000000"/>
+              </a:buClr>
+              <a:buSzPts val="1400"/>
+              <a:buFont typeface="Arial"/>
+              <a:buNone/>
+              <a:defRPr sz="1800" b="0" i="0" u="none" strike="noStrike" cap="none">
+                <a:solidFill>
+                  <a:srgbClr val="000000"/>
+                </a:solidFill>
+                <a:latin typeface="Arial"/>
+                <a:ea typeface="Arial"/>
+                <a:cs typeface="Arial"/>
+                <a:sym typeface="Arial"/>
+              </a:defRPr>
+            </a:lvl5pPr>
+            <a:lvl6pPr marR="0" lvl="5" algn="l" rtl="0">
+              <a:lnSpc>
+                <a:spcPct val="100000"/>
+              </a:lnSpc>
+              <a:spcBef>
+                <a:spcPts val="0"/>
+              </a:spcBef>
+              <a:spcAft>
+                <a:spcPts val="0"/>
+              </a:spcAft>
+              <a:buClr>
+                <a:srgbClr val="000000"/>
+              </a:buClr>
+              <a:buSzPts val="1400"/>
+              <a:buFont typeface="Arial"/>
+              <a:buNone/>
+              <a:defRPr sz="1800" b="0" i="0" u="none" strike="noStrike" cap="none">
+                <a:solidFill>
+                  <a:srgbClr val="000000"/>
+                </a:solidFill>
+                <a:latin typeface="Arial"/>
+                <a:ea typeface="Arial"/>
+                <a:cs typeface="Arial"/>
+                <a:sym typeface="Arial"/>
+              </a:defRPr>
+            </a:lvl6pPr>
+            <a:lvl7pPr marR="0" lvl="6" algn="l" rtl="0">
+              <a:lnSpc>
+                <a:spcPct val="100000"/>
+              </a:lnSpc>
+              <a:spcBef>
+                <a:spcPts val="0"/>
+              </a:spcBef>
+              <a:spcAft>
+                <a:spcPts val="0"/>
+              </a:spcAft>
+              <a:buClr>
+                <a:srgbClr val="000000"/>
+              </a:buClr>
+              <a:buSzPts val="1400"/>
+              <a:buFont typeface="Arial"/>
+              <a:buNone/>
+              <a:defRPr sz="1800" b="0" i="0" u="none" strike="noStrike" cap="none">
+                <a:solidFill>
+                  <a:srgbClr val="000000"/>
+                </a:solidFill>
+                <a:latin typeface="Arial"/>
+                <a:ea typeface="Arial"/>
+                <a:cs typeface="Arial"/>
+                <a:sym typeface="Arial"/>
+              </a:defRPr>
+            </a:lvl7pPr>
+            <a:lvl8pPr marR="0" lvl="7" algn="l" rtl="0">
+              <a:lnSpc>
+                <a:spcPct val="100000"/>
+              </a:lnSpc>
+              <a:spcBef>
+                <a:spcPts val="0"/>
+              </a:spcBef>
+              <a:spcAft>
+                <a:spcPts val="0"/>
+              </a:spcAft>
+              <a:buClr>
+                <a:srgbClr val="000000"/>
+              </a:buClr>
+              <a:buSzPts val="1400"/>
+              <a:buFont typeface="Arial"/>
+              <a:buNone/>
+              <a:defRPr sz="1800" b="0" i="0" u="none" strike="noStrike" cap="none">
+                <a:solidFill>
+                  <a:srgbClr val="000000"/>
+                </a:solidFill>
+                <a:latin typeface="Arial"/>
+                <a:ea typeface="Arial"/>
+                <a:cs typeface="Arial"/>
+                <a:sym typeface="Arial"/>
+              </a:defRPr>
+            </a:lvl8pPr>
+            <a:lvl9pPr marR="0" lvl="8" algn="l" rtl="0">
+              <a:lnSpc>
+                <a:spcPct val="100000"/>
+              </a:lnSpc>
+              <a:spcBef>
+                <a:spcPts val="0"/>
+              </a:spcBef>
+              <a:spcAft>
+                <a:spcPts val="0"/>
+              </a:spcAft>
+              <a:buClr>
+                <a:srgbClr val="000000"/>
+              </a:buClr>
+              <a:buSzPts val="1400"/>
+              <a:buFont typeface="Arial"/>
+              <a:buNone/>
+              <a:defRPr sz="1800" b="0" i="0" u="none" strike="noStrike" cap="none">
+                <a:solidFill>
+                  <a:srgbClr val="000000"/>
+                </a:solidFill>
+                <a:latin typeface="Arial"/>
+                <a:ea typeface="Arial"/>
+                <a:cs typeface="Arial"/>
+                <a:sym typeface="Arial"/>
+              </a:defRPr>
+            </a:lvl9pPr>
+          </a:lstStyle>
+          <a:p>
+            <a:r>
+              <a:rPr lang="en-US" sz="2000" u="sng" dirty="0"/>
+              <a:t>Conversion Rate </a:t>
+            </a:r>
+            <a:endParaRPr lang="en-IN" sz="2000" u="sng" dirty="0">
+              <a:solidFill>
+                <a:schemeClr val="tx1"/>
+              </a:solidFill>
+            </a:endParaRPr>
+          </a:p>
+        </p:txBody>
+      </p:sp>
+      <p:sp>
+        <p:nvSpPr>
+          <p:cNvPr id="7" name="Content Placeholder 2">
+            <a:extLst>
+              <a:ext uri="{FF2B5EF4-FFF2-40B4-BE49-F238E27FC236}">
+                <a16:creationId xmlns:a16="http://schemas.microsoft.com/office/drawing/2014/main" id="{D808A966-F1CE-D92D-EEA0-1C5266D3D99D}"/>
+              </a:ext>
+            </a:extLst>
+          </p:cNvPr>
+          <p:cNvSpPr txBox="1">
+            <a:spLocks/>
+          </p:cNvSpPr>
+          <p:nvPr/>
+        </p:nvSpPr>
+        <p:spPr>
+          <a:xfrm>
+            <a:off x="901436" y="1541530"/>
+            <a:ext cx="4623018" cy="1887470"/>
+          </a:xfrm>
+          <a:prstGeom prst="rect">
+            <a:avLst/>
+          </a:prstGeom>
+          <a:noFill/>
+          <a:ln>
+            <a:noFill/>
+          </a:ln>
+        </p:spPr>
+        <p:txBody>
+          <a:bodyPr spcFirstLastPara="1" wrap="square" lIns="91425" tIns="45700" rIns="91425" bIns="45700" anchor="t" anchorCtr="0">
+            <a:normAutofit/>
+          </a:bodyPr>
+          <a:lstStyle>
+            <a:defPPr marR="0" lvl="0" algn="l" rtl="0">
+              <a:lnSpc>
+                <a:spcPct val="100000"/>
+              </a:lnSpc>
+              <a:spcBef>
+                <a:spcPts val="0"/>
+              </a:spcBef>
+              <a:spcAft>
+                <a:spcPts val="0"/>
+              </a:spcAft>
+            </a:defPPr>
+            <a:lvl1pPr marL="457200" marR="0" lvl="0" indent="-342900" algn="l" rtl="0">
+              <a:lnSpc>
+                <a:spcPct val="90000"/>
+              </a:lnSpc>
+              <a:spcBef>
+                <a:spcPts val="1000"/>
+              </a:spcBef>
+              <a:spcAft>
+                <a:spcPts val="0"/>
+              </a:spcAft>
+              <a:buClr>
+                <a:schemeClr val="dk1"/>
+              </a:buClr>
+              <a:buSzPts val="1800"/>
+              <a:buFont typeface="Arial"/>
+              <a:buChar char="•"/>
+              <a:defRPr sz="2800" b="0" i="0" u="none" strike="noStrike" cap="none">
+                <a:solidFill>
+                  <a:schemeClr val="dk1"/>
+                </a:solidFill>
+                <a:latin typeface="Arial"/>
+                <a:ea typeface="Arial"/>
+                <a:cs typeface="Arial"/>
+                <a:sym typeface="Arial"/>
+              </a:defRPr>
+            </a:lvl1pPr>
+            <a:lvl2pPr marL="914400" marR="0" lvl="1" indent="-342900" algn="l" rtl="0">
+              <a:lnSpc>
+                <a:spcPct val="90000"/>
+              </a:lnSpc>
+              <a:spcBef>
+                <a:spcPts val="500"/>
+              </a:spcBef>
+              <a:spcAft>
+                <a:spcPts val="0"/>
+              </a:spcAft>
+              <a:buClr>
+                <a:schemeClr val="dk1"/>
+              </a:buClr>
+              <a:buSzPts val="1800"/>
+              <a:buFont typeface="Arial"/>
+              <a:buChar char="•"/>
+              <a:defRPr sz="2400" b="0" i="0" u="none" strike="noStrike" cap="none">
+                <a:solidFill>
+                  <a:schemeClr val="dk1"/>
+                </a:solidFill>
+                <a:latin typeface="Arial"/>
+                <a:ea typeface="Arial"/>
+                <a:cs typeface="Arial"/>
+                <a:sym typeface="Arial"/>
+              </a:defRPr>
+            </a:lvl2pPr>
+            <a:lvl3pPr marL="1371600" marR="0" lvl="2" indent="-342900" algn="l" rtl="0">
+              <a:lnSpc>
+                <a:spcPct val="90000"/>
+              </a:lnSpc>
+              <a:spcBef>
+                <a:spcPts val="500"/>
+              </a:spcBef>
+              <a:spcAft>
+                <a:spcPts val="0"/>
+              </a:spcAft>
+              <a:buClr>
+                <a:schemeClr val="dk1"/>
+              </a:buClr>
+              <a:buSzPts val="1800"/>
+              <a:buFont typeface="Arial"/>
+              <a:buChar char="•"/>
+              <a:defRPr sz="2000" b="0" i="0" u="none" strike="noStrike" cap="none">
+                <a:solidFill>
+                  <a:schemeClr val="dk1"/>
+                </a:solidFill>
+                <a:latin typeface="Arial"/>
+                <a:ea typeface="Arial"/>
+                <a:cs typeface="Arial"/>
+                <a:sym typeface="Arial"/>
+              </a:defRPr>
+            </a:lvl3pPr>
+            <a:lvl4pPr marL="1828800" marR="0" lvl="3" indent="-342900" algn="l" rtl="0">
+              <a:lnSpc>
+                <a:spcPct val="90000"/>
+              </a:lnSpc>
+              <a:spcBef>
+                <a:spcPts val="500"/>
+              </a:spcBef>
+              <a:spcAft>
+                <a:spcPts val="0"/>
+              </a:spcAft>
+              <a:buClr>
+                <a:schemeClr val="dk1"/>
+              </a:buClr>
+              <a:buSzPts val="1800"/>
+              <a:buFont typeface="Arial"/>
+              <a:buChar char="•"/>
+              <a:defRPr sz="1800" b="0" i="0" u="none" strike="noStrike" cap="none">
+                <a:solidFill>
+                  <a:schemeClr val="dk1"/>
+                </a:solidFill>
+                <a:latin typeface="Arial"/>
+                <a:ea typeface="Arial"/>
+                <a:cs typeface="Arial"/>
+                <a:sym typeface="Arial"/>
+              </a:defRPr>
+            </a:lvl4pPr>
+            <a:lvl5pPr marL="2286000" marR="0" lvl="4" indent="-342900" algn="l" rtl="0">
+              <a:lnSpc>
+                <a:spcPct val="90000"/>
+              </a:lnSpc>
+              <a:spcBef>
+                <a:spcPts val="500"/>
+              </a:spcBef>
+              <a:spcAft>
+                <a:spcPts val="0"/>
+              </a:spcAft>
+              <a:buClr>
+                <a:schemeClr val="dk1"/>
+              </a:buClr>
+              <a:buSzPts val="1800"/>
+              <a:buFont typeface="Arial"/>
+              <a:buChar char="•"/>
+              <a:defRPr sz="1800" b="0" i="0" u="none" strike="noStrike" cap="none">
+                <a:solidFill>
+                  <a:schemeClr val="dk1"/>
+                </a:solidFill>
+                <a:latin typeface="Arial"/>
+                <a:ea typeface="Arial"/>
+                <a:cs typeface="Arial"/>
+                <a:sym typeface="Arial"/>
+              </a:defRPr>
+            </a:lvl5pPr>
+            <a:lvl6pPr marL="2743200" marR="0" lvl="5" indent="-342900" algn="l" rtl="0">
+              <a:lnSpc>
+                <a:spcPct val="90000"/>
+              </a:lnSpc>
+              <a:spcBef>
+                <a:spcPts val="500"/>
+              </a:spcBef>
+              <a:spcAft>
+                <a:spcPts val="0"/>
+              </a:spcAft>
+              <a:buClr>
+                <a:schemeClr val="dk1"/>
+              </a:buClr>
+              <a:buSzPts val="1800"/>
+              <a:buFont typeface="Arial"/>
+              <a:buChar char="•"/>
+              <a:defRPr sz="1800" b="0" i="0" u="none" strike="noStrike" cap="none">
+                <a:solidFill>
+                  <a:schemeClr val="dk1"/>
+                </a:solidFill>
+                <a:latin typeface="Arial"/>
+                <a:ea typeface="Arial"/>
+                <a:cs typeface="Arial"/>
+                <a:sym typeface="Arial"/>
+              </a:defRPr>
+            </a:lvl6pPr>
+            <a:lvl7pPr marL="3200400" marR="0" lvl="6" indent="-342900" algn="l" rtl="0">
+              <a:lnSpc>
+                <a:spcPct val="90000"/>
+              </a:lnSpc>
+              <a:spcBef>
+                <a:spcPts val="500"/>
+              </a:spcBef>
+              <a:spcAft>
+                <a:spcPts val="0"/>
+              </a:spcAft>
+              <a:buClr>
+                <a:schemeClr val="dk1"/>
+              </a:buClr>
+              <a:buSzPts val="1800"/>
+              <a:buFont typeface="Arial"/>
+              <a:buChar char="•"/>
+              <a:defRPr sz="1800" b="0" i="0" u="none" strike="noStrike" cap="none">
+                <a:solidFill>
+                  <a:schemeClr val="dk1"/>
+                </a:solidFill>
+                <a:latin typeface="Arial"/>
+                <a:ea typeface="Arial"/>
+                <a:cs typeface="Arial"/>
+                <a:sym typeface="Arial"/>
+              </a:defRPr>
+            </a:lvl7pPr>
+            <a:lvl8pPr marL="3657600" marR="0" lvl="7" indent="-342900" algn="l" rtl="0">
+              <a:lnSpc>
+                <a:spcPct val="90000"/>
+              </a:lnSpc>
+              <a:spcBef>
+                <a:spcPts val="500"/>
+              </a:spcBef>
+              <a:spcAft>
+                <a:spcPts val="0"/>
+              </a:spcAft>
+              <a:buClr>
+                <a:schemeClr val="dk1"/>
+              </a:buClr>
+              <a:buSzPts val="1800"/>
+              <a:buFont typeface="Arial"/>
+              <a:buChar char="•"/>
+              <a:defRPr sz="1800" b="0" i="0" u="none" strike="noStrike" cap="none">
+                <a:solidFill>
+                  <a:schemeClr val="dk1"/>
+                </a:solidFill>
+                <a:latin typeface="Arial"/>
+                <a:ea typeface="Arial"/>
+                <a:cs typeface="Arial"/>
+                <a:sym typeface="Arial"/>
+              </a:defRPr>
+            </a:lvl8pPr>
+            <a:lvl9pPr marL="4114800" marR="0" lvl="8" indent="-342900" algn="l" rtl="0">
+              <a:lnSpc>
+                <a:spcPct val="90000"/>
+              </a:lnSpc>
+              <a:spcBef>
+                <a:spcPts val="500"/>
+              </a:spcBef>
+              <a:spcAft>
+                <a:spcPts val="0"/>
+              </a:spcAft>
+              <a:buClr>
+                <a:schemeClr val="dk1"/>
+              </a:buClr>
+              <a:buSzPts val="1800"/>
+              <a:buFont typeface="Arial"/>
+              <a:buChar char="•"/>
+              <a:defRPr sz="1800" b="0" i="0" u="none" strike="noStrike" cap="none">
+                <a:solidFill>
+                  <a:schemeClr val="dk1"/>
+                </a:solidFill>
+                <a:latin typeface="Arial"/>
+                <a:ea typeface="Arial"/>
+                <a:cs typeface="Arial"/>
+                <a:sym typeface="Arial"/>
+              </a:defRPr>
+            </a:lvl9pPr>
+          </a:lstStyle>
+          <a:p>
+            <a:pPr>
+              <a:buFont typeface="Wingdings" panose="05000000000000000000" pitchFamily="2" charset="2"/>
+              <a:buChar char="ü"/>
+            </a:pPr>
+            <a:r>
+              <a:rPr lang="en-US" sz="2100" dirty="0">
+                <a:latin typeface="Calibri" panose="020F0502020204030204" pitchFamily="34" charset="0"/>
+                <a:ea typeface="Calibri" panose="020F0502020204030204" pitchFamily="34" charset="0"/>
+                <a:cs typeface="Calibri" panose="020F0502020204030204" pitchFamily="34" charset="0"/>
+              </a:rPr>
+              <a:t>Checking the conversion rate in the Leads data provided </a:t>
+            </a:r>
+          </a:p>
+          <a:p>
+            <a:pPr lvl="1"/>
+            <a:r>
+              <a:rPr lang="en-US" sz="1400" dirty="0">
+                <a:latin typeface="Consolas" panose="020B0609020204030204" pitchFamily="49" charset="0"/>
+              </a:rPr>
+              <a:t>The conversion is on expected lines as stated in the problem statement </a:t>
+            </a:r>
+          </a:p>
+          <a:p>
+            <a:pPr lvl="1"/>
+            <a:r>
+              <a:rPr lang="en-US" sz="1400" dirty="0">
+                <a:latin typeface="Consolas" panose="020B0609020204030204" pitchFamily="49" charset="0"/>
+              </a:rPr>
+              <a:t>39% Conversion rate means the data is balanced and not very skewed, Class imbalance is low</a:t>
+            </a:r>
+            <a:endParaRPr lang="en-US" sz="1400" dirty="0">
+              <a:solidFill>
+                <a:srgbClr val="CCCCCC"/>
+              </a:solidFill>
+              <a:latin typeface="Consolas" panose="020B0609020204030204" pitchFamily="49" charset="0"/>
+            </a:endParaRPr>
+          </a:p>
+          <a:p>
+            <a:endParaRPr lang="en-IN" dirty="0"/>
+          </a:p>
+        </p:txBody>
+      </p:sp>
+      <p:pic>
+        <p:nvPicPr>
+          <p:cNvPr id="3" name="Picture 2">
+            <a:extLst>
+              <a:ext uri="{FF2B5EF4-FFF2-40B4-BE49-F238E27FC236}">
+                <a16:creationId xmlns:a16="http://schemas.microsoft.com/office/drawing/2014/main" id="{319DCD20-56F6-79F1-AD74-8AE7B4AD57C0}"/>
+              </a:ext>
+            </a:extLst>
+          </p:cNvPr>
+          <p:cNvPicPr>
+            <a:picLocks noChangeAspect="1"/>
+          </p:cNvPicPr>
+          <p:nvPr/>
+        </p:nvPicPr>
+        <p:blipFill>
+          <a:blip r:embed="rId3"/>
+          <a:stretch>
+            <a:fillRect/>
+          </a:stretch>
+        </p:blipFill>
+        <p:spPr>
+          <a:xfrm>
+            <a:off x="5785114" y="1105090"/>
+            <a:ext cx="5505450" cy="5324475"/>
+          </a:xfrm>
+          <a:prstGeom prst="rect">
+            <a:avLst/>
+          </a:prstGeom>
+        </p:spPr>
+      </p:pic>
+    </p:spTree>
+    <p:extLst>
+      <p:ext uri="{BB962C8B-B14F-4D97-AF65-F5344CB8AC3E}">
+        <p14:creationId xmlns:p14="http://schemas.microsoft.com/office/powerpoint/2010/main" val="3424847862"/>
+      </p:ext>
+    </p:extLst>
+  </p:cSld>
+  <p:clrMapOvr>
+    <a:masterClrMapping/>
+  </p:clrMapOvr>
+</p:sld>
+</file>
+
+<file path=ppt/slides/slide13.xml><?xml version="1.0" encoding="utf-8"?>
+<p:sld xmlns:a="http://schemas.openxmlformats.org/drawingml/2006/main" xmlns:r="http://schemas.openxmlformats.org/officeDocument/2006/relationships" xmlns:p="http://schemas.openxmlformats.org/presentationml/2006/main">
+  <p:cSld>
     <p:bg>
       <p:bgPr>
         <a:solidFill>
@@ -22622,7 +23704,7 @@
 </p:sld>
 </file>
 
-<file path=ppt/slides/slide13.xml><?xml version="1.0" encoding="utf-8"?>
+<file path=ppt/slides/slide14.xml><?xml version="1.0" encoding="utf-8"?>
 <p:sld xmlns:a="http://schemas.openxmlformats.org/drawingml/2006/main" xmlns:r="http://schemas.openxmlformats.org/officeDocument/2006/relationships" xmlns:p="http://schemas.openxmlformats.org/presentationml/2006/main">
   <p:cSld>
     <p:spTree>
@@ -24644,7 +25726,7 @@
 </p:sld>
 </file>
 
-<file path=ppt/slides/slide14.xml><?xml version="1.0" encoding="utf-8"?>
+<file path=ppt/slides/slide15.xml><?xml version="1.0" encoding="utf-8"?>
 <p:sld xmlns:a="http://schemas.openxmlformats.org/drawingml/2006/main" xmlns:r="http://schemas.openxmlformats.org/officeDocument/2006/relationships" xmlns:p="http://schemas.openxmlformats.org/presentationml/2006/main">
   <p:cSld>
     <p:spTree>
@@ -25256,7 +26338,7 @@
 </p:sld>
 </file>
 
-<file path=ppt/slides/slide15.xml><?xml version="1.0" encoding="utf-8"?>
+<file path=ppt/slides/slide16.xml><?xml version="1.0" encoding="utf-8"?>
 <p:sld xmlns:a="http://schemas.openxmlformats.org/drawingml/2006/main" xmlns:r="http://schemas.openxmlformats.org/officeDocument/2006/relationships" xmlns:p="http://schemas.openxmlformats.org/presentationml/2006/main">
   <p:cSld>
     <p:spTree>
@@ -25406,7 +26488,7 @@
 </p:sld>
 </file>
 
-<file path=ppt/slides/slide16.xml><?xml version="1.0" encoding="utf-8"?>
+<file path=ppt/slides/slide17.xml><?xml version="1.0" encoding="utf-8"?>
 <p:sld xmlns:a="http://schemas.openxmlformats.org/drawingml/2006/main" xmlns:r="http://schemas.openxmlformats.org/officeDocument/2006/relationships" xmlns:p="http://schemas.openxmlformats.org/presentationml/2006/main">
   <p:cSld>
     <p:bg>
@@ -29031,6 +30113,302 @@
           </a:p>
         </p:txBody>
       </p:sp>
+      <p:pic>
+        <p:nvPicPr>
+          <p:cNvPr id="7" name="Picture 6">
+            <a:extLst>
+              <a:ext uri="{FF2B5EF4-FFF2-40B4-BE49-F238E27FC236}">
+                <a16:creationId xmlns:a16="http://schemas.microsoft.com/office/drawing/2014/main" id="{1C4D809E-722E-2096-0DC9-0581A747EF64}"/>
+              </a:ext>
+            </a:extLst>
+          </p:cNvPr>
+          <p:cNvPicPr>
+            <a:picLocks noChangeAspect="1"/>
+          </p:cNvPicPr>
+          <p:nvPr/>
+        </p:nvPicPr>
+        <p:blipFill>
+          <a:blip r:embed="rId3"/>
+          <a:stretch>
+            <a:fillRect/>
+          </a:stretch>
+        </p:blipFill>
+        <p:spPr>
+          <a:xfrm>
+            <a:off x="344282" y="4469933"/>
+            <a:ext cx="2423452" cy="1285658"/>
+          </a:xfrm>
+          <a:prstGeom prst="rect">
+            <a:avLst/>
+          </a:prstGeom>
+        </p:spPr>
+      </p:pic>
+      <p:pic>
+        <p:nvPicPr>
+          <p:cNvPr id="9" name="Picture 8">
+            <a:extLst>
+              <a:ext uri="{FF2B5EF4-FFF2-40B4-BE49-F238E27FC236}">
+                <a16:creationId xmlns:a16="http://schemas.microsoft.com/office/drawing/2014/main" id="{31E0EF51-C2DA-DBB9-8AF6-A6B417E2710B}"/>
+              </a:ext>
+            </a:extLst>
+          </p:cNvPr>
+          <p:cNvPicPr>
+            <a:picLocks noChangeAspect="1"/>
+          </p:cNvPicPr>
+          <p:nvPr/>
+        </p:nvPicPr>
+        <p:blipFill>
+          <a:blip r:embed="rId4"/>
+          <a:stretch>
+            <a:fillRect/>
+          </a:stretch>
+        </p:blipFill>
+        <p:spPr>
+          <a:xfrm>
+            <a:off x="2960120" y="4580978"/>
+            <a:ext cx="2188240" cy="1160877"/>
+          </a:xfrm>
+          <a:prstGeom prst="rect">
+            <a:avLst/>
+          </a:prstGeom>
+        </p:spPr>
+      </p:pic>
+      <p:sp>
+        <p:nvSpPr>
+          <p:cNvPr id="10" name="TextBox 9">
+            <a:extLst>
+              <a:ext uri="{FF2B5EF4-FFF2-40B4-BE49-F238E27FC236}">
+                <a16:creationId xmlns:a16="http://schemas.microsoft.com/office/drawing/2014/main" id="{1C84404D-31B9-70F4-3063-4E8879BE4005}"/>
+              </a:ext>
+            </a:extLst>
+          </p:cNvPr>
+          <p:cNvSpPr txBox="1"/>
+          <p:nvPr/>
+        </p:nvSpPr>
+        <p:spPr>
+          <a:xfrm>
+            <a:off x="2466957" y="4141889"/>
+            <a:ext cx="923544" cy="307777"/>
+          </a:xfrm>
+          <a:prstGeom prst="rect">
+            <a:avLst/>
+          </a:prstGeom>
+          <a:noFill/>
+        </p:spPr>
+        <p:txBody>
+          <a:bodyPr wrap="square" rtlCol="0">
+            <a:spAutoFit/>
+          </a:bodyPr>
+          <a:lstStyle/>
+          <a:p>
+            <a:r>
+              <a:rPr lang="en-US" i="1" dirty="0"/>
+              <a:t>BEFORE</a:t>
+            </a:r>
+            <a:endParaRPr lang="en-IN" i="1" dirty="0"/>
+          </a:p>
+        </p:txBody>
+      </p:sp>
+      <p:sp>
+        <p:nvSpPr>
+          <p:cNvPr id="11" name="TextBox 10">
+            <a:extLst>
+              <a:ext uri="{FF2B5EF4-FFF2-40B4-BE49-F238E27FC236}">
+                <a16:creationId xmlns:a16="http://schemas.microsoft.com/office/drawing/2014/main" id="{AC56F89A-4E2C-4570-026F-9B958184CC3A}"/>
+              </a:ext>
+            </a:extLst>
+          </p:cNvPr>
+          <p:cNvSpPr txBox="1"/>
+          <p:nvPr/>
+        </p:nvSpPr>
+        <p:spPr>
+          <a:xfrm>
+            <a:off x="8638297" y="4079406"/>
+            <a:ext cx="923544" cy="307777"/>
+          </a:xfrm>
+          <a:prstGeom prst="rect">
+            <a:avLst/>
+          </a:prstGeom>
+          <a:noFill/>
+        </p:spPr>
+        <p:txBody>
+          <a:bodyPr wrap="square" rtlCol="0">
+            <a:spAutoFit/>
+          </a:bodyPr>
+          <a:lstStyle/>
+          <a:p>
+            <a:r>
+              <a:rPr lang="en-US" i="1" dirty="0"/>
+              <a:t>AFTER</a:t>
+            </a:r>
+            <a:endParaRPr lang="en-IN" i="1" dirty="0"/>
+          </a:p>
+        </p:txBody>
+      </p:sp>
+      <p:pic>
+        <p:nvPicPr>
+          <p:cNvPr id="13" name="Picture 12">
+            <a:extLst>
+              <a:ext uri="{FF2B5EF4-FFF2-40B4-BE49-F238E27FC236}">
+                <a16:creationId xmlns:a16="http://schemas.microsoft.com/office/drawing/2014/main" id="{32B5C276-6966-AFDD-7FF8-65DA9E4A4230}"/>
+              </a:ext>
+            </a:extLst>
+          </p:cNvPr>
+          <p:cNvPicPr>
+            <a:picLocks noChangeAspect="1"/>
+          </p:cNvPicPr>
+          <p:nvPr/>
+        </p:nvPicPr>
+        <p:blipFill>
+          <a:blip r:embed="rId5"/>
+          <a:stretch>
+            <a:fillRect/>
+          </a:stretch>
+        </p:blipFill>
+        <p:spPr>
+          <a:xfrm>
+            <a:off x="1717003" y="5883682"/>
+            <a:ext cx="2423452" cy="867903"/>
+          </a:xfrm>
+          <a:prstGeom prst="rect">
+            <a:avLst/>
+          </a:prstGeom>
+        </p:spPr>
+      </p:pic>
+      <p:pic>
+        <p:nvPicPr>
+          <p:cNvPr id="15" name="Picture 14">
+            <a:extLst>
+              <a:ext uri="{FF2B5EF4-FFF2-40B4-BE49-F238E27FC236}">
+                <a16:creationId xmlns:a16="http://schemas.microsoft.com/office/drawing/2014/main" id="{5D87338C-40B2-04E2-6D46-B8E575E5DDFF}"/>
+              </a:ext>
+            </a:extLst>
+          </p:cNvPr>
+          <p:cNvPicPr>
+            <a:picLocks noChangeAspect="1"/>
+          </p:cNvPicPr>
+          <p:nvPr/>
+        </p:nvPicPr>
+        <p:blipFill>
+          <a:blip r:embed="rId6"/>
+          <a:stretch>
+            <a:fillRect/>
+          </a:stretch>
+        </p:blipFill>
+        <p:spPr>
+          <a:xfrm>
+            <a:off x="8804467" y="4478335"/>
+            <a:ext cx="2860219" cy="1405347"/>
+          </a:xfrm>
+          <a:prstGeom prst="rect">
+            <a:avLst/>
+          </a:prstGeom>
+        </p:spPr>
+      </p:pic>
+      <p:pic>
+        <p:nvPicPr>
+          <p:cNvPr id="17" name="Picture 16">
+            <a:extLst>
+              <a:ext uri="{FF2B5EF4-FFF2-40B4-BE49-F238E27FC236}">
+                <a16:creationId xmlns:a16="http://schemas.microsoft.com/office/drawing/2014/main" id="{73C8A6F6-24AC-CE71-D2A5-3AF93D339BE3}"/>
+              </a:ext>
+            </a:extLst>
+          </p:cNvPr>
+          <p:cNvPicPr>
+            <a:picLocks noChangeAspect="1"/>
+          </p:cNvPicPr>
+          <p:nvPr/>
+        </p:nvPicPr>
+        <p:blipFill>
+          <a:blip r:embed="rId7"/>
+          <a:stretch>
+            <a:fillRect/>
+          </a:stretch>
+        </p:blipFill>
+        <p:spPr>
+          <a:xfrm>
+            <a:off x="6142291" y="4513921"/>
+            <a:ext cx="2578909" cy="1334174"/>
+          </a:xfrm>
+          <a:prstGeom prst="rect">
+            <a:avLst/>
+          </a:prstGeom>
+        </p:spPr>
+      </p:pic>
+      <p:pic>
+        <p:nvPicPr>
+          <p:cNvPr id="19" name="Picture 18">
+            <a:extLst>
+              <a:ext uri="{FF2B5EF4-FFF2-40B4-BE49-F238E27FC236}">
+                <a16:creationId xmlns:a16="http://schemas.microsoft.com/office/drawing/2014/main" id="{41017963-4253-971E-1F5C-37B478256AC6}"/>
+              </a:ext>
+            </a:extLst>
+          </p:cNvPr>
+          <p:cNvPicPr>
+            <a:picLocks noChangeAspect="1"/>
+          </p:cNvPicPr>
+          <p:nvPr/>
+        </p:nvPicPr>
+        <p:blipFill>
+          <a:blip r:embed="rId6"/>
+          <a:stretch>
+            <a:fillRect/>
+          </a:stretch>
+        </p:blipFill>
+        <p:spPr>
+          <a:xfrm>
+            <a:off x="7566316" y="5755591"/>
+            <a:ext cx="2277362" cy="1048999"/>
+          </a:xfrm>
+          <a:prstGeom prst="rect">
+            <a:avLst/>
+          </a:prstGeom>
+        </p:spPr>
+      </p:pic>
+      <p:sp>
+        <p:nvSpPr>
+          <p:cNvPr id="20" name="Isosceles Triangle 19">
+            <a:extLst>
+              <a:ext uri="{FF2B5EF4-FFF2-40B4-BE49-F238E27FC236}">
+                <a16:creationId xmlns:a16="http://schemas.microsoft.com/office/drawing/2014/main" id="{9B1EFFA5-6011-07D2-565F-3140BFAA53D7}"/>
+              </a:ext>
+            </a:extLst>
+          </p:cNvPr>
+          <p:cNvSpPr/>
+          <p:nvPr/>
+        </p:nvSpPr>
+        <p:spPr>
+          <a:xfrm rot="5400000">
+            <a:off x="4585750" y="5412135"/>
+            <a:ext cx="2409186" cy="269714"/>
+          </a:xfrm>
+          <a:prstGeom prst="triangle">
+            <a:avLst/>
+          </a:prstGeom>
+        </p:spPr>
+        <p:style>
+          <a:lnRef idx="1">
+            <a:schemeClr val="accent4"/>
+          </a:lnRef>
+          <a:fillRef idx="2">
+            <a:schemeClr val="accent4"/>
+          </a:fillRef>
+          <a:effectRef idx="1">
+            <a:schemeClr val="accent4"/>
+          </a:effectRef>
+          <a:fontRef idx="minor">
+            <a:schemeClr val="dk1"/>
+          </a:fontRef>
+        </p:style>
+        <p:txBody>
+          <a:bodyPr rtlCol="0" anchor="ctr"/>
+          <a:lstStyle/>
+          <a:p>
+            <a:pPr algn="ctr"/>
+            <a:endParaRPr lang="en-IN"/>
+          </a:p>
+        </p:txBody>
+      </p:sp>
     </p:spTree>
     <p:extLst>
       <p:ext uri="{BB962C8B-B14F-4D97-AF65-F5344CB8AC3E}">
@@ -29069,54 +30447,6 @@
           <a:chExt cx="0" cy="0"/>
         </a:xfrm>
       </p:grpSpPr>
-      <p:sp>
-        <p:nvSpPr>
-          <p:cNvPr id="119" name="Google Shape;119;p5"/>
-          <p:cNvSpPr/>
-          <p:nvPr/>
-        </p:nvSpPr>
-        <p:spPr>
-          <a:xfrm>
-            <a:off x="0" y="0"/>
-            <a:ext cx="12191999" cy="6857365"/>
-          </a:xfrm>
-          <a:prstGeom prst="rect">
-            <a:avLst/>
-          </a:prstGeom>
-          <a:solidFill>
-            <a:schemeClr val="lt1"/>
-          </a:solidFill>
-          <a:ln>
-            <a:noFill/>
-          </a:ln>
-        </p:spPr>
-        <p:txBody>
-          <a:bodyPr spcFirstLastPara="1" wrap="square" lIns="91425" tIns="45700" rIns="91425" bIns="45700" anchor="ctr" anchorCtr="0">
-            <a:noAutofit/>
-          </a:bodyPr>
-          <a:lstStyle/>
-          <a:p>
-            <a:pPr marL="0" marR="0" lvl="0" indent="0" algn="ctr" rtl="0">
-              <a:spcBef>
-                <a:spcPts val="0"/>
-              </a:spcBef>
-              <a:spcAft>
-                <a:spcPts val="0"/>
-              </a:spcAft>
-              <a:buNone/>
-            </a:pPr>
-            <a:endParaRPr sz="1800">
-              <a:solidFill>
-                <a:schemeClr val="lt1"/>
-              </a:solidFill>
-              <a:latin typeface="Arial"/>
-              <a:ea typeface="Arial"/>
-              <a:cs typeface="Arial"/>
-              <a:sym typeface="Arial"/>
-            </a:endParaRPr>
-          </a:p>
-        </p:txBody>
-      </p:sp>
       <p:sp>
         <p:nvSpPr>
           <p:cNvPr id="120" name="Google Shape;120;p5"/>
@@ -29386,61 +30716,6 @@
           </a:p>
         </p:txBody>
       </p:sp>
-      <p:sp>
-        <p:nvSpPr>
-          <p:cNvPr id="126" name="Google Shape;126;p5"/>
-          <p:cNvSpPr/>
-          <p:nvPr/>
-        </p:nvSpPr>
-        <p:spPr>
-          <a:xfrm>
-            <a:off x="5685810" y="391886"/>
-            <a:ext cx="6009366" cy="6017078"/>
-          </a:xfrm>
-          <a:prstGeom prst="rect">
-            <a:avLst/>
-          </a:prstGeom>
-          <a:solidFill>
-            <a:schemeClr val="lt1"/>
-          </a:solidFill>
-          <a:ln>
-            <a:noFill/>
-          </a:ln>
-          <a:effectLst>
-            <a:outerShdw blurRad="139700" dist="127000" dir="5400000" algn="t" rotWithShape="0">
-              <a:srgbClr val="000000">
-                <a:alpha val="14901"/>
-              </a:srgbClr>
-            </a:outerShdw>
-          </a:effectLst>
-        </p:spPr>
-        <p:txBody>
-          <a:bodyPr spcFirstLastPara="1" wrap="square" lIns="91425" tIns="45700" rIns="91425" bIns="45700" anchor="ctr" anchorCtr="0">
-            <a:noAutofit/>
-          </a:bodyPr>
-          <a:lstStyle/>
-          <a:p>
-            <a:pPr marL="0" marR="0" lvl="0" indent="0" algn="ctr" rtl="0">
-              <a:spcBef>
-                <a:spcPts val="0"/>
-              </a:spcBef>
-              <a:spcAft>
-                <a:spcPts val="0"/>
-              </a:spcAft>
-              <a:buNone/>
-            </a:pPr>
-            <a:endParaRPr sz="1800">
-              <a:solidFill>
-                <a:schemeClr val="lt1"/>
-              </a:solidFill>
-              <a:latin typeface="Arial"/>
-              <a:ea typeface="Arial"/>
-              <a:cs typeface="Arial"/>
-              <a:sym typeface="Arial"/>
-            </a:endParaRPr>
-          </a:p>
-        </p:txBody>
-      </p:sp>
       <p:pic>
         <p:nvPicPr>
           <p:cNvPr id="127" name="Google Shape;127;p5"/>
@@ -29456,16 +30731,90 @@
         </p:blipFill>
         <p:spPr>
           <a:xfrm>
-            <a:off x="5922492" y="998384"/>
-            <a:ext cx="5536001" cy="4802479"/>
+            <a:off x="4784384" y="0"/>
+            <a:ext cx="5506699" cy="2918414"/>
           </a:xfrm>
-          <a:prstGeom prst="rect">
-            <a:avLst/>
+          <a:prstGeom prst="roundRect">
+            <a:avLst>
+              <a:gd name="adj" fmla="val 16667"/>
+            </a:avLst>
           </a:prstGeom>
-          <a:noFill/>
           <a:ln>
             <a:noFill/>
           </a:ln>
+          <a:effectLst>
+            <a:outerShdw blurRad="152400" dist="12000" dir="900000" sy="98000" kx="110000" ky="200000" algn="tl" rotWithShape="0">
+              <a:srgbClr val="000000">
+                <a:alpha val="30000"/>
+              </a:srgbClr>
+            </a:outerShdw>
+          </a:effectLst>
+          <a:scene3d>
+            <a:camera prst="perspectiveRelaxed">
+              <a:rot lat="19800000" lon="1200000" rev="20820000"/>
+            </a:camera>
+            <a:lightRig rig="threePt" dir="t"/>
+          </a:scene3d>
+          <a:sp3d contourW="6350" prstMaterial="matte">
+            <a:bevelT w="101600" h="101600"/>
+            <a:contourClr>
+              <a:srgbClr val="969696"/>
+            </a:contourClr>
+          </a:sp3d>
+        </p:spPr>
+      </p:pic>
+      <p:pic>
+        <p:nvPicPr>
+          <p:cNvPr id="5" name="Picture 4">
+            <a:extLst>
+              <a:ext uri="{FF2B5EF4-FFF2-40B4-BE49-F238E27FC236}">
+                <a16:creationId xmlns:a16="http://schemas.microsoft.com/office/drawing/2014/main" id="{D38B4970-E785-CABC-2C68-854E825D8825}"/>
+              </a:ext>
+            </a:extLst>
+          </p:cNvPr>
+          <p:cNvPicPr>
+            <a:picLocks noChangeAspect="1"/>
+          </p:cNvPicPr>
+          <p:nvPr/>
+        </p:nvPicPr>
+        <p:blipFill>
+          <a:blip r:embed="rId4"/>
+          <a:stretch>
+            <a:fillRect/>
+          </a:stretch>
+        </p:blipFill>
+        <p:spPr>
+          <a:xfrm>
+            <a:off x="3034661" y="2814412"/>
+            <a:ext cx="5417439" cy="3381892"/>
+          </a:xfrm>
+          <a:prstGeom prst="roundRect">
+            <a:avLst>
+              <a:gd name="adj" fmla="val 16667"/>
+            </a:avLst>
+          </a:prstGeom>
+          <a:ln>
+            <a:noFill/>
+          </a:ln>
+          <a:effectLst>
+            <a:outerShdw blurRad="152400" dist="12000" dir="900000" sy="98000" kx="110000" ky="200000" algn="tl" rotWithShape="0">
+              <a:srgbClr val="000000">
+                <a:alpha val="30000"/>
+              </a:srgbClr>
+            </a:outerShdw>
+          </a:effectLst>
+          <a:scene3d>
+            <a:camera prst="perspectiveRelaxed">
+              <a:rot lat="19800000" lon="1200000" rev="20820000"/>
+            </a:camera>
+            <a:lightRig rig="threePt" dir="t"/>
+          </a:scene3d>
+          <a:sp3d contourW="6350" prstMaterial="matte">
+            <a:bevelT w="101600" h="101600"/>
+            <a:contourClr>
+              <a:srgbClr val="969696"/>
+            </a:contourClr>
+          </a:sp3d>
         </p:spPr>
       </p:pic>
     </p:spTree>
